--- a/app/Presentation.pptx
+++ b/app/Presentation.pptx
@@ -107,6 +107,11 @@
       </a:defRPr>
     </a:lvl9pPr>
   </p:defaultTextStyle>
+  <p:extLst>
+    <p:ext uri="{EFAFB233-063F-42B5-8137-9DF3F51BA10A}">
+      <p15:sldGuideLst xmlns:p15="http://schemas.microsoft.com/office/powerpoint/2012/main"/>
+    </p:ext>
+  </p:extLst>
 </p:presentation>
 </file>
 
@@ -6127,18 +6132,42 @@
           </a:p>
           <a:p>
             <a:r>
-              <a:rPr lang="en-US" dirty="0" smtClean="0"/>
+              <a:rPr lang="en-US" dirty="0" smtClean="0">
+                <a:solidFill>
+                  <a:schemeClr val="bg1">
+                    <a:lumMod val="65000"/>
+                  </a:schemeClr>
+                </a:solidFill>
+              </a:rPr>
               <a:t>Co-author: </a:t>
             </a:r>
             <a:r>
-              <a:rPr lang="en-US" dirty="0" err="1" smtClean="0"/>
+              <a:rPr lang="en-US" dirty="0" err="1" smtClean="0">
+                <a:solidFill>
+                  <a:schemeClr val="bg1">
+                    <a:lumMod val="65000"/>
+                  </a:schemeClr>
+                </a:solidFill>
+              </a:rPr>
               <a:t>Bukovsky</a:t>
             </a:r>
             <a:r>
-              <a:rPr lang="en-US" dirty="0" smtClean="0"/>
+              <a:rPr lang="en-US" dirty="0" smtClean="0">
+                <a:solidFill>
+                  <a:schemeClr val="bg1">
+                    <a:lumMod val="65000"/>
+                  </a:schemeClr>
+                </a:solidFill>
+              </a:rPr>
               <a:t> M.V.</a:t>
             </a:r>
-            <a:endParaRPr lang="ru-RU" dirty="0"/>
+            <a:endParaRPr lang="ru-RU" dirty="0">
+              <a:solidFill>
+                <a:schemeClr val="bg1">
+                  <a:lumMod val="65000"/>
+                </a:schemeClr>
+              </a:solidFill>
+            </a:endParaRPr>
           </a:p>
         </p:txBody>
       </p:sp>
